--- a/pictures/pictures.pptx
+++ b/pictures/pictures.pptx
@@ -235,7 +235,7 @@
           <a:p>
             <a:fld id="{0A59A44E-30B9-4D48-86E3-9E867B758C41}" type="datetimeFigureOut">
               <a:rPr lang="en-US" smtClean="0"/>
-              <a:t>12/7/2019</a:t>
+              <a:t>13-Jul-20</a:t>
             </a:fld>
             <a:endParaRPr lang="en-US"/>
           </a:p>
@@ -766,7 +766,7 @@
             <a:fld id="{1D8BD707-D9CF-40AE-B4C6-C98DA3205C09}" type="datetimeFigureOut">
               <a:rPr lang="en-US" smtClean="0"/>
               <a:pPr/>
-              <a:t>12/7/2019</a:t>
+              <a:t>13-Jul-20</a:t>
             </a:fld>
             <a:endParaRPr lang="en-US"/>
           </a:p>
@@ -931,7 +931,7 @@
             <a:fld id="{1D8BD707-D9CF-40AE-B4C6-C98DA3205C09}" type="datetimeFigureOut">
               <a:rPr lang="en-US" smtClean="0"/>
               <a:pPr/>
-              <a:t>12/7/2019</a:t>
+              <a:t>13-Jul-20</a:t>
             </a:fld>
             <a:endParaRPr lang="en-US"/>
           </a:p>
@@ -1106,7 +1106,7 @@
             <a:fld id="{1D8BD707-D9CF-40AE-B4C6-C98DA3205C09}" type="datetimeFigureOut">
               <a:rPr lang="en-US" smtClean="0"/>
               <a:pPr/>
-              <a:t>12/7/2019</a:t>
+              <a:t>13-Jul-20</a:t>
             </a:fld>
             <a:endParaRPr lang="en-US"/>
           </a:p>
@@ -1271,7 +1271,7 @@
             <a:fld id="{1D8BD707-D9CF-40AE-B4C6-C98DA3205C09}" type="datetimeFigureOut">
               <a:rPr lang="en-US" smtClean="0"/>
               <a:pPr/>
-              <a:t>12/7/2019</a:t>
+              <a:t>13-Jul-20</a:t>
             </a:fld>
             <a:endParaRPr lang="en-US"/>
           </a:p>
@@ -1513,7 +1513,7 @@
             <a:fld id="{1D8BD707-D9CF-40AE-B4C6-C98DA3205C09}" type="datetimeFigureOut">
               <a:rPr lang="en-US" smtClean="0"/>
               <a:pPr/>
-              <a:t>12/7/2019</a:t>
+              <a:t>13-Jul-20</a:t>
             </a:fld>
             <a:endParaRPr lang="en-US"/>
           </a:p>
@@ -1795,7 +1795,7 @@
             <a:fld id="{1D8BD707-D9CF-40AE-B4C6-C98DA3205C09}" type="datetimeFigureOut">
               <a:rPr lang="en-US" smtClean="0"/>
               <a:pPr/>
-              <a:t>12/7/2019</a:t>
+              <a:t>13-Jul-20</a:t>
             </a:fld>
             <a:endParaRPr lang="en-US"/>
           </a:p>
@@ -2211,7 +2211,7 @@
             <a:fld id="{1D8BD707-D9CF-40AE-B4C6-C98DA3205C09}" type="datetimeFigureOut">
               <a:rPr lang="en-US" smtClean="0"/>
               <a:pPr/>
-              <a:t>12/7/2019</a:t>
+              <a:t>13-Jul-20</a:t>
             </a:fld>
             <a:endParaRPr lang="en-US"/>
           </a:p>
@@ -2325,7 +2325,7 @@
             <a:fld id="{1D8BD707-D9CF-40AE-B4C6-C98DA3205C09}" type="datetimeFigureOut">
               <a:rPr lang="en-US" smtClean="0"/>
               <a:pPr/>
-              <a:t>12/7/2019</a:t>
+              <a:t>13-Jul-20</a:t>
             </a:fld>
             <a:endParaRPr lang="en-US"/>
           </a:p>
@@ -2417,7 +2417,7 @@
             <a:fld id="{1D8BD707-D9CF-40AE-B4C6-C98DA3205C09}" type="datetimeFigureOut">
               <a:rPr lang="en-US" smtClean="0"/>
               <a:pPr/>
-              <a:t>12/7/2019</a:t>
+              <a:t>13-Jul-20</a:t>
             </a:fld>
             <a:endParaRPr lang="en-US"/>
           </a:p>
@@ -2689,7 +2689,7 @@
             <a:fld id="{1D8BD707-D9CF-40AE-B4C6-C98DA3205C09}" type="datetimeFigureOut">
               <a:rPr lang="en-US" smtClean="0"/>
               <a:pPr/>
-              <a:t>12/7/2019</a:t>
+              <a:t>13-Jul-20</a:t>
             </a:fld>
             <a:endParaRPr lang="en-US"/>
           </a:p>
@@ -2938,7 +2938,7 @@
             <a:fld id="{1D8BD707-D9CF-40AE-B4C6-C98DA3205C09}" type="datetimeFigureOut">
               <a:rPr lang="en-US" smtClean="0"/>
               <a:pPr/>
-              <a:t>12/7/2019</a:t>
+              <a:t>13-Jul-20</a:t>
             </a:fld>
             <a:endParaRPr lang="en-US"/>
           </a:p>
@@ -3149,7 +3149,7 @@
             <a:fld id="{1D8BD707-D9CF-40AE-B4C6-C98DA3205C09}" type="datetimeFigureOut">
               <a:rPr lang="en-US" smtClean="0"/>
               <a:pPr/>
-              <a:t>12/7/2019</a:t>
+              <a:t>13-Jul-20</a:t>
             </a:fld>
             <a:endParaRPr lang="en-US"/>
           </a:p>

--- a/pictures/pictures.pptx
+++ b/pictures/pictures.pptx
@@ -3508,9 +3508,14 @@
   <p:cSld>
     <p:bg>
       <p:bgPr>
-        <a:solidFill>
-          <a:srgbClr val="FFF2CC"/>
-        </a:solidFill>
+        <a:pattFill prst="divot">
+          <a:fgClr>
+            <a:srgbClr val="FFCC99"/>
+          </a:fgClr>
+          <a:bgClr>
+            <a:srgbClr val="FFF2CC"/>
+          </a:bgClr>
+        </a:pattFill>
         <a:effectLst/>
       </p:bgPr>
     </p:bg>
@@ -3528,6 +3533,130 @@
           <a:chExt cx="0" cy="0"/>
         </a:xfrm>
       </p:grpSpPr>
+      <p:sp>
+        <p:nvSpPr>
+          <p:cNvPr id="2" name="Rectangle 1">
+            <a:extLst>
+              <a:ext uri="{FF2B5EF4-FFF2-40B4-BE49-F238E27FC236}">
+                <a16:creationId xmlns:a16="http://schemas.microsoft.com/office/drawing/2014/main" id="{CE5C71E7-57AC-415B-BF4C-12B0965DC4D9}"/>
+              </a:ext>
+            </a:extLst>
+          </p:cNvPr>
+          <p:cNvSpPr/>
+          <p:nvPr/>
+        </p:nvSpPr>
+        <p:spPr>
+          <a:xfrm>
+            <a:off x="24808" y="9303"/>
+            <a:ext cx="9144000" cy="361950"/>
+          </a:xfrm>
+          <a:prstGeom prst="rect">
+            <a:avLst/>
+          </a:prstGeom>
+          <a:gradFill>
+            <a:gsLst>
+              <a:gs pos="0">
+                <a:srgbClr val="FFF2CC"/>
+              </a:gs>
+              <a:gs pos="100000">
+                <a:srgbClr val="FFF2CC">
+                  <a:alpha val="0"/>
+                </a:srgbClr>
+              </a:gs>
+            </a:gsLst>
+            <a:lin ang="5400000" scaled="1"/>
+          </a:gradFill>
+          <a:ln>
+            <a:noFill/>
+          </a:ln>
+        </p:spPr>
+        <p:style>
+          <a:lnRef idx="2">
+            <a:schemeClr val="accent1">
+              <a:shade val="50000"/>
+            </a:schemeClr>
+          </a:lnRef>
+          <a:fillRef idx="1">
+            <a:schemeClr val="accent1"/>
+          </a:fillRef>
+          <a:effectRef idx="0">
+            <a:schemeClr val="accent1"/>
+          </a:effectRef>
+          <a:fontRef idx="minor">
+            <a:schemeClr val="lt1"/>
+          </a:fontRef>
+        </p:style>
+        <p:txBody>
+          <a:bodyPr rtlCol="0" anchor="ctr"/>
+          <a:lstStyle/>
+          <a:p>
+            <a:pPr algn="ctr"/>
+            <a:endParaRPr lang="en-US"/>
+          </a:p>
+        </p:txBody>
+      </p:sp>
+      <p:sp>
+        <p:nvSpPr>
+          <p:cNvPr id="7" name="Rectangle 6">
+            <a:extLst>
+              <a:ext uri="{FF2B5EF4-FFF2-40B4-BE49-F238E27FC236}">
+                <a16:creationId xmlns:a16="http://schemas.microsoft.com/office/drawing/2014/main" id="{093B317C-5614-4788-8A82-EDFE1457C812}"/>
+              </a:ext>
+            </a:extLst>
+          </p:cNvPr>
+          <p:cNvSpPr/>
+          <p:nvPr/>
+        </p:nvSpPr>
+        <p:spPr>
+          <a:xfrm rot="10800000">
+            <a:off x="-26581" y="4772247"/>
+            <a:ext cx="9144000" cy="361950"/>
+          </a:xfrm>
+          <a:prstGeom prst="rect">
+            <a:avLst/>
+          </a:prstGeom>
+          <a:gradFill>
+            <a:gsLst>
+              <a:gs pos="0">
+                <a:srgbClr val="FFF2CC"/>
+              </a:gs>
+              <a:gs pos="100000">
+                <a:srgbClr val="FFF2CC">
+                  <a:alpha val="0"/>
+                </a:srgbClr>
+              </a:gs>
+            </a:gsLst>
+            <a:lin ang="5400000" scaled="1"/>
+          </a:gradFill>
+          <a:ln>
+            <a:noFill/>
+          </a:ln>
+        </p:spPr>
+        <p:style>
+          <a:lnRef idx="2">
+            <a:schemeClr val="accent1">
+              <a:shade val="50000"/>
+            </a:schemeClr>
+          </a:lnRef>
+          <a:fillRef idx="1">
+            <a:schemeClr val="accent1"/>
+          </a:fillRef>
+          <a:effectRef idx="0">
+            <a:schemeClr val="accent1"/>
+          </a:effectRef>
+          <a:fontRef idx="minor">
+            <a:schemeClr val="lt1"/>
+          </a:fontRef>
+        </p:style>
+        <p:txBody>
+          <a:bodyPr rtlCol="0" anchor="ctr"/>
+          <a:lstStyle/>
+          <a:p>
+            <a:pPr algn="ctr"/>
+            <a:endParaRPr lang="en-US"/>
+          </a:p>
+        </p:txBody>
+      </p:sp>
       <p:cxnSp>
         <p:nvCxnSpPr>
           <p:cNvPr id="5" name="Straight Connector 4">

--- a/pictures/pictures.pptx
+++ b/pictures/pictures.pptx
@@ -3510,7 +3510,7 @@
       <p:bgPr>
         <a:pattFill prst="divot">
           <a:fgClr>
-            <a:srgbClr val="FFCC99"/>
+            <a:srgbClr val="FF9966"/>
           </a:fgClr>
           <a:bgClr>
             <a:srgbClr val="FFF2CC"/>
@@ -3547,8 +3547,8 @@
         </p:nvSpPr>
         <p:spPr>
           <a:xfrm>
-            <a:off x="24808" y="9303"/>
-            <a:ext cx="9144000" cy="361950"/>
+            <a:off x="17720" y="0"/>
+            <a:ext cx="9144000" cy="276447"/>
           </a:xfrm>
           <a:prstGeom prst="rect">
             <a:avLst/>
@@ -3609,8 +3609,8 @@
         </p:nvSpPr>
         <p:spPr>
           <a:xfrm rot="10800000">
-            <a:off x="-26581" y="4772247"/>
-            <a:ext cx="9144000" cy="361950"/>
+            <a:off x="-37214" y="4865724"/>
+            <a:ext cx="9144000" cy="276447"/>
           </a:xfrm>
           <a:prstGeom prst="rect">
             <a:avLst/>
